--- a/簡報_MashupKing.pptx
+++ b/簡報_MashupKing.pptx
@@ -8,6 +8,7 @@
     <p:sldId id="278" r:id="rId2"/>
     <p:sldId id="257" r:id="rId3"/>
     <p:sldId id="262" r:id="rId4"/>
+    <p:sldId id="279" r:id="rId5"/>
   </p:sldIdLst>
   <p:sldSz cx="12192000" cy="6858000"/>
   <p:notesSz cx="6858000" cy="9144000"/>
@@ -6292,7 +6293,6 @@
               <a:rPr lang="en-US" altLang="zh-TW" dirty="0" smtClean="0"/>
               <a:t> style. </a:t>
             </a:r>
-            <a:endParaRPr lang="en-US" altLang="zh-TW" dirty="0" smtClean="0"/>
           </a:p>
         </p:txBody>
       </p:sp>
@@ -6313,6 +6313,150 @@
       </p:par>
     </p:tnLst>
   </p:timing>
+</p:sld>
+</file>
+
+<file path=ppt/slides/slide4.xml><?xml version="1.0" encoding="utf-8"?>
+<p:sld xmlns:a="http://schemas.openxmlformats.org/drawingml/2006/main" xmlns:r="http://schemas.openxmlformats.org/officeDocument/2006/relationships" xmlns:p="http://schemas.openxmlformats.org/presentationml/2006/main">
+  <p:cSld>
+    <p:spTree>
+      <p:nvGrpSpPr>
+        <p:cNvPr id="1" name=""/>
+        <p:cNvGrpSpPr/>
+        <p:nvPr/>
+      </p:nvGrpSpPr>
+      <p:grpSpPr>
+        <a:xfrm>
+          <a:off x="0" y="0"/>
+          <a:ext cx="0" cy="0"/>
+          <a:chOff x="0" y="0"/>
+          <a:chExt cx="0" cy="0"/>
+        </a:xfrm>
+      </p:grpSpPr>
+      <p:sp>
+        <p:nvSpPr>
+          <p:cNvPr id="2" name="標題 1"/>
+          <p:cNvSpPr>
+            <a:spLocks noGrp="1"/>
+          </p:cNvSpPr>
+          <p:nvPr>
+            <p:ph type="title"/>
+          </p:nvPr>
+        </p:nvSpPr>
+        <p:spPr/>
+        <p:txBody>
+          <a:bodyPr/>
+          <a:lstStyle/>
+          <a:p>
+            <a:r>
+              <a:rPr lang="en-US" altLang="zh-TW" dirty="0" smtClean="0"/>
+              <a:t>Data </a:t>
+            </a:r>
+            <a:r>
+              <a:rPr lang="en-US" altLang="zh-TW" dirty="0" err="1" smtClean="0"/>
+              <a:t>Mashup</a:t>
+            </a:r>
+            <a:r>
+              <a:rPr lang="en-US" altLang="zh-TW" dirty="0" smtClean="0"/>
+              <a:t> Process</a:t>
+            </a:r>
+            <a:endParaRPr lang="zh-TW" altLang="en-US" dirty="0"/>
+          </a:p>
+        </p:txBody>
+      </p:sp>
+      <p:sp>
+        <p:nvSpPr>
+          <p:cNvPr id="3" name="內容版面配置區 2"/>
+          <p:cNvSpPr>
+            <a:spLocks noGrp="1"/>
+          </p:cNvSpPr>
+          <p:nvPr>
+            <p:ph idx="1"/>
+          </p:nvPr>
+        </p:nvSpPr>
+        <p:spPr/>
+        <p:txBody>
+          <a:bodyPr/>
+          <a:lstStyle/>
+          <a:p>
+            <a:r>
+              <a:rPr lang="en-US" altLang="zh-TW" dirty="0" smtClean="0"/>
+              <a:t>Raw data transfer to </a:t>
+            </a:r>
+            <a:r>
+              <a:rPr lang="en-US" altLang="zh-TW" dirty="0" err="1" smtClean="0"/>
+              <a:t>google</a:t>
+            </a:r>
+            <a:r>
+              <a:rPr lang="en-US" altLang="zh-TW" dirty="0" smtClean="0"/>
+              <a:t> fusion table format</a:t>
+            </a:r>
+          </a:p>
+          <a:p>
+            <a:r>
+              <a:rPr lang="en-US" altLang="zh-TW" dirty="0" smtClean="0"/>
+              <a:t>Upload to </a:t>
+            </a:r>
+            <a:r>
+              <a:rPr lang="en-US" altLang="zh-TW" dirty="0" err="1" smtClean="0"/>
+              <a:t>google</a:t>
+            </a:r>
+            <a:r>
+              <a:rPr lang="en-US" altLang="zh-TW" dirty="0" smtClean="0"/>
+              <a:t> fusion table cloud server</a:t>
+            </a:r>
+          </a:p>
+          <a:p>
+            <a:r>
+              <a:rPr lang="en-US" altLang="zh-TW" dirty="0" smtClean="0"/>
+              <a:t>Automatic Java </a:t>
+            </a:r>
+            <a:r>
+              <a:rPr lang="en-US" altLang="zh-TW" dirty="0" smtClean="0"/>
+              <a:t>script </a:t>
+            </a:r>
+            <a:r>
+              <a:rPr lang="en-US" altLang="zh-TW" dirty="0" smtClean="0"/>
+              <a:t>generation utilizing Papyrus </a:t>
+            </a:r>
+            <a:r>
+              <a:rPr lang="en-US" altLang="zh-TW" dirty="0" smtClean="0"/>
+              <a:t>framework containing </a:t>
+            </a:r>
+            <a:r>
+              <a:rPr lang="en-US" altLang="zh-TW" dirty="0" smtClean="0"/>
+              <a:t>fusion </a:t>
+            </a:r>
+            <a:r>
+              <a:rPr lang="en-US" altLang="zh-TW" dirty="0" smtClean="0"/>
+              <a:t>table </a:t>
+            </a:r>
+            <a:r>
+              <a:rPr lang="en-US" altLang="zh-TW" smtClean="0"/>
+              <a:t>APIs and subscription </a:t>
+            </a:r>
+            <a:r>
+              <a:rPr lang="en-US" altLang="zh-TW" dirty="0" smtClean="0"/>
+              <a:t>key</a:t>
+            </a:r>
+            <a:endParaRPr lang="en-US" altLang="zh-TW" dirty="0" smtClean="0"/>
+          </a:p>
+          <a:p>
+            <a:r>
+              <a:rPr lang="en-US" altLang="zh-TW" dirty="0" smtClean="0"/>
+              <a:t>Publish on local server </a:t>
+            </a:r>
+          </a:p>
+          <a:p>
+            <a:endParaRPr lang="zh-TW" altLang="en-US" dirty="0"/>
+          </a:p>
+        </p:txBody>
+      </p:sp>
+    </p:spTree>
+  </p:cSld>
+  <p:clrMapOvr>
+    <a:masterClrMapping/>
+  </p:clrMapOvr>
 </p:sld>
 </file>
 

--- a/簡報_MashupKing.pptx
+++ b/簡報_MashupKing.pptx
@@ -8,7 +8,8 @@
     <p:sldId id="278" r:id="rId2"/>
     <p:sldId id="257" r:id="rId3"/>
     <p:sldId id="262" r:id="rId4"/>
-    <p:sldId id="279" r:id="rId5"/>
+    <p:sldId id="280" r:id="rId5"/>
+    <p:sldId id="279" r:id="rId6"/>
   </p:sldIdLst>
   <p:sldSz cx="12192000" cy="6858000"/>
   <p:notesSz cx="6858000" cy="9144000"/>
@@ -109,7 +110,18 @@
   </p:defaultTextStyle>
   <p:extLst>
     <p:ext uri="{EFAFB233-063F-42B5-8137-9DF3F51BA10A}">
-      <p15:sldGuideLst xmlns:p15="http://schemas.microsoft.com/office/powerpoint/2012/main" xmlns=""/>
+      <p15:sldGuideLst xmlns:p15="http://schemas.microsoft.com/office/powerpoint/2012/main">
+        <p15:guide id="1" orient="horz" pos="2160">
+          <p15:clr>
+            <a:srgbClr val="A4A3A4"/>
+          </p15:clr>
+        </p15:guide>
+        <p15:guide id="2" pos="3840">
+          <p15:clr>
+            <a:srgbClr val="A4A3A4"/>
+          </p15:clr>
+        </p15:guide>
+      </p15:sldGuideLst>
     </p:ext>
   </p:extLst>
 </p:presentation>
@@ -144,7 +156,7 @@
           <a:blip r:embed="rId2">
             <a:extLst>
               <a:ext uri="{28A0092B-C50C-407E-A947-70E740481C1C}">
-                <a14:useLocalDpi xmlns:a14="http://schemas.microsoft.com/office/drawing/2010/main" xmlns="" val="0"/>
+                <a14:useLocalDpi xmlns:a14="http://schemas.microsoft.com/office/drawing/2010/main" val="0"/>
               </a:ext>
             </a:extLst>
           </a:blip>
@@ -440,7 +452,7 @@
     </p:spTree>
     <p:extLst>
       <p:ext uri="{BB962C8B-B14F-4D97-AF65-F5344CB8AC3E}">
-        <p14:creationId xmlns:p14="http://schemas.microsoft.com/office/powerpoint/2010/main" xmlns="" val="1939316344"/>
+        <p14:creationId xmlns:p14="http://schemas.microsoft.com/office/powerpoint/2010/main" val="1939316344"/>
       </p:ext>
     </p:extLst>
   </p:cSld>
@@ -726,7 +738,7 @@
     </p:spTree>
     <p:extLst>
       <p:ext uri="{BB962C8B-B14F-4D97-AF65-F5344CB8AC3E}">
-        <p14:creationId xmlns:p14="http://schemas.microsoft.com/office/powerpoint/2010/main" xmlns="" val="2359057590"/>
+        <p14:creationId xmlns:p14="http://schemas.microsoft.com/office/powerpoint/2010/main" val="2359057590"/>
       </p:ext>
     </p:extLst>
   </p:cSld>
@@ -1014,7 +1026,7 @@
     </p:spTree>
     <p:extLst>
       <p:ext uri="{BB962C8B-B14F-4D97-AF65-F5344CB8AC3E}">
-        <p14:creationId xmlns:p14="http://schemas.microsoft.com/office/powerpoint/2010/main" xmlns="" val="4207115095"/>
+        <p14:creationId xmlns:p14="http://schemas.microsoft.com/office/powerpoint/2010/main" val="4207115095"/>
       </p:ext>
     </p:extLst>
   </p:cSld>
@@ -1430,7 +1442,7 @@
     </p:spTree>
     <p:extLst>
       <p:ext uri="{BB962C8B-B14F-4D97-AF65-F5344CB8AC3E}">
-        <p14:creationId xmlns:p14="http://schemas.microsoft.com/office/powerpoint/2010/main" xmlns="" val="2198076928"/>
+        <p14:creationId xmlns:p14="http://schemas.microsoft.com/office/powerpoint/2010/main" val="2198076928"/>
       </p:ext>
     </p:extLst>
   </p:cSld>
@@ -1680,7 +1692,7 @@
     </p:spTree>
     <p:extLst>
       <p:ext uri="{BB962C8B-B14F-4D97-AF65-F5344CB8AC3E}">
-        <p14:creationId xmlns:p14="http://schemas.microsoft.com/office/powerpoint/2010/main" xmlns="" val="660469812"/>
+        <p14:creationId xmlns:p14="http://schemas.microsoft.com/office/powerpoint/2010/main" val="660469812"/>
       </p:ext>
     </p:extLst>
   </p:cSld>
@@ -2162,7 +2174,7 @@
     </p:spTree>
     <p:extLst>
       <p:ext uri="{BB962C8B-B14F-4D97-AF65-F5344CB8AC3E}">
-        <p14:creationId xmlns:p14="http://schemas.microsoft.com/office/powerpoint/2010/main" xmlns="" val="3871315215"/>
+        <p14:creationId xmlns:p14="http://schemas.microsoft.com/office/powerpoint/2010/main" val="3871315215"/>
       </p:ext>
     </p:extLst>
   </p:cSld>
@@ -2573,7 +2585,7 @@
     </p:spTree>
     <p:extLst>
       <p:ext uri="{BB962C8B-B14F-4D97-AF65-F5344CB8AC3E}">
-        <p14:creationId xmlns:p14="http://schemas.microsoft.com/office/powerpoint/2010/main" xmlns="" val="2000262536"/>
+        <p14:creationId xmlns:p14="http://schemas.microsoft.com/office/powerpoint/2010/main" val="2000262536"/>
       </p:ext>
     </p:extLst>
   </p:cSld>
@@ -2787,7 +2799,7 @@
     </p:spTree>
     <p:extLst>
       <p:ext uri="{BB962C8B-B14F-4D97-AF65-F5344CB8AC3E}">
-        <p14:creationId xmlns:p14="http://schemas.microsoft.com/office/powerpoint/2010/main" xmlns="" val="2642143507"/>
+        <p14:creationId xmlns:p14="http://schemas.microsoft.com/office/powerpoint/2010/main" val="2642143507"/>
       </p:ext>
     </p:extLst>
   </p:cSld>
@@ -3007,7 +3019,7 @@
     </p:spTree>
     <p:extLst>
       <p:ext uri="{BB962C8B-B14F-4D97-AF65-F5344CB8AC3E}">
-        <p14:creationId xmlns:p14="http://schemas.microsoft.com/office/powerpoint/2010/main" xmlns="" val="3353216381"/>
+        <p14:creationId xmlns:p14="http://schemas.microsoft.com/office/powerpoint/2010/main" val="3353216381"/>
       </p:ext>
     </p:extLst>
   </p:cSld>
@@ -3217,7 +3229,7 @@
     </p:spTree>
     <p:extLst>
       <p:ext uri="{BB962C8B-B14F-4D97-AF65-F5344CB8AC3E}">
-        <p14:creationId xmlns:p14="http://schemas.microsoft.com/office/powerpoint/2010/main" xmlns="" val="1489823352"/>
+        <p14:creationId xmlns:p14="http://schemas.microsoft.com/office/powerpoint/2010/main" val="1489823352"/>
       </p:ext>
     </p:extLst>
   </p:cSld>
@@ -3505,7 +3517,7 @@
     </p:spTree>
     <p:extLst>
       <p:ext uri="{BB962C8B-B14F-4D97-AF65-F5344CB8AC3E}">
-        <p14:creationId xmlns:p14="http://schemas.microsoft.com/office/powerpoint/2010/main" xmlns="" val="2796151475"/>
+        <p14:creationId xmlns:p14="http://schemas.microsoft.com/office/powerpoint/2010/main" val="2796151475"/>
       </p:ext>
     </p:extLst>
   </p:cSld>
@@ -3781,7 +3793,7 @@
     </p:spTree>
     <p:extLst>
       <p:ext uri="{BB962C8B-B14F-4D97-AF65-F5344CB8AC3E}">
-        <p14:creationId xmlns:p14="http://schemas.microsoft.com/office/powerpoint/2010/main" xmlns="" val="2103223662"/>
+        <p14:creationId xmlns:p14="http://schemas.microsoft.com/office/powerpoint/2010/main" val="2103223662"/>
       </p:ext>
     </p:extLst>
   </p:cSld>
@@ -4203,7 +4215,7 @@
     </p:spTree>
     <p:extLst>
       <p:ext uri="{BB962C8B-B14F-4D97-AF65-F5344CB8AC3E}">
-        <p14:creationId xmlns:p14="http://schemas.microsoft.com/office/powerpoint/2010/main" xmlns="" val="416477981"/>
+        <p14:creationId xmlns:p14="http://schemas.microsoft.com/office/powerpoint/2010/main" val="416477981"/>
       </p:ext>
     </p:extLst>
   </p:cSld>
@@ -4361,7 +4373,7 @@
     </p:spTree>
     <p:extLst>
       <p:ext uri="{BB962C8B-B14F-4D97-AF65-F5344CB8AC3E}">
-        <p14:creationId xmlns:p14="http://schemas.microsoft.com/office/powerpoint/2010/main" xmlns="" val="2346611452"/>
+        <p14:creationId xmlns:p14="http://schemas.microsoft.com/office/powerpoint/2010/main" val="2346611452"/>
       </p:ext>
     </p:extLst>
   </p:cSld>
@@ -4458,7 +4470,7 @@
     </p:spTree>
     <p:extLst>
       <p:ext uri="{BB962C8B-B14F-4D97-AF65-F5344CB8AC3E}">
-        <p14:creationId xmlns:p14="http://schemas.microsoft.com/office/powerpoint/2010/main" xmlns="" val="1307006805"/>
+        <p14:creationId xmlns:p14="http://schemas.microsoft.com/office/powerpoint/2010/main" val="1307006805"/>
       </p:ext>
     </p:extLst>
   </p:cSld>
@@ -4753,7 +4765,7 @@
     </p:spTree>
     <p:extLst>
       <p:ext uri="{BB962C8B-B14F-4D97-AF65-F5344CB8AC3E}">
-        <p14:creationId xmlns:p14="http://schemas.microsoft.com/office/powerpoint/2010/main" xmlns="" val="2527950234"/>
+        <p14:creationId xmlns:p14="http://schemas.microsoft.com/office/powerpoint/2010/main" val="2527950234"/>
       </p:ext>
     </p:extLst>
   </p:cSld>
@@ -5039,7 +5051,7 @@
     </p:spTree>
     <p:extLst>
       <p:ext uri="{BB962C8B-B14F-4D97-AF65-F5344CB8AC3E}">
-        <p14:creationId xmlns:p14="http://schemas.microsoft.com/office/powerpoint/2010/main" xmlns="" val="1203426322"/>
+        <p14:creationId xmlns:p14="http://schemas.microsoft.com/office/powerpoint/2010/main" val="1203426322"/>
       </p:ext>
     </p:extLst>
   </p:cSld>
@@ -5083,7 +5095,7 @@
           <a:blip r:embed="rId19">
             <a:extLst>
               <a:ext uri="{28A0092B-C50C-407E-A947-70E740481C1C}">
-                <a14:useLocalDpi xmlns:a14="http://schemas.microsoft.com/office/drawing/2010/main" xmlns="" val="0"/>
+                <a14:useLocalDpi xmlns:a14="http://schemas.microsoft.com/office/drawing/2010/main" val="0"/>
               </a:ext>
             </a:extLst>
           </a:blip>
@@ -5321,7 +5333,7 @@
     </p:spTree>
     <p:extLst>
       <p:ext uri="{BB962C8B-B14F-4D97-AF65-F5344CB8AC3E}">
-        <p14:creationId xmlns:p14="http://schemas.microsoft.com/office/powerpoint/2010/main" xmlns="" val="1520738901"/>
+        <p14:creationId xmlns:p14="http://schemas.microsoft.com/office/powerpoint/2010/main" val="1520738901"/>
       </p:ext>
     </p:extLst>
   </p:cSld>
@@ -5786,7 +5798,7 @@
           <p:nvPr>
             <p:extLst>
               <p:ext uri="{D42A27DB-BD31-4B8C-83A1-F6EECF244321}">
-                <p14:modId xmlns:p14="http://schemas.microsoft.com/office/powerpoint/2010/main" xmlns="" val="1399481990"/>
+                <p14:modId xmlns:p14="http://schemas.microsoft.com/office/powerpoint/2010/main" val="1399481990"/>
               </p:ext>
             </p:extLst>
           </p:nvPr>
@@ -5802,9 +5814,27 @@
                 <a:tableStyleId>{6E25E649-3F16-4E02-A733-19D2CDBF48F0}</a:tableStyleId>
               </a:tblPr>
               <a:tblGrid>
-                <a:gridCol w="2125980"/>
-                <a:gridCol w="3052553"/>
-                <a:gridCol w="2494807"/>
+                <a:gridCol w="2125980">
+                  <a:extLst>
+                    <a:ext uri="{9D8B030D-6E8A-4147-A177-3AD203B41FA5}">
+                      <a16:colId xmlns:a16="http://schemas.microsoft.com/office/drawing/2014/main" val="20000"/>
+                    </a:ext>
+                  </a:extLst>
+                </a:gridCol>
+                <a:gridCol w="3052553">
+                  <a:extLst>
+                    <a:ext uri="{9D8B030D-6E8A-4147-A177-3AD203B41FA5}">
+                      <a16:colId xmlns:a16="http://schemas.microsoft.com/office/drawing/2014/main" val="20001"/>
+                    </a:ext>
+                  </a:extLst>
+                </a:gridCol>
+                <a:gridCol w="2494807">
+                  <a:extLst>
+                    <a:ext uri="{9D8B030D-6E8A-4147-A177-3AD203B41FA5}">
+                      <a16:colId xmlns:a16="http://schemas.microsoft.com/office/drawing/2014/main" val="20002"/>
+                    </a:ext>
+                  </a:extLst>
+                </a:gridCol>
               </a:tblGrid>
               <a:tr h="0">
                 <a:tc gridSpan="3">
@@ -5861,6 +5891,11 @@
                   </a:txBody>
                   <a:tcPr/>
                 </a:tc>
+                <a:extLst>
+                  <a:ext uri="{0D108BD9-81ED-4DB2-BD59-A6C34878D82A}">
+                    <a16:rowId xmlns:a16="http://schemas.microsoft.com/office/drawing/2014/main" val="10000"/>
+                  </a:ext>
+                </a:extLst>
               </a:tr>
               <a:tr h="370840">
                 <a:tc>
@@ -5948,6 +5983,11 @@
                   </a:txBody>
                   <a:tcPr/>
                 </a:tc>
+                <a:extLst>
+                  <a:ext uri="{0D108BD9-81ED-4DB2-BD59-A6C34878D82A}">
+                    <a16:rowId xmlns:a16="http://schemas.microsoft.com/office/drawing/2014/main" val="10001"/>
+                  </a:ext>
+                </a:extLst>
               </a:tr>
               <a:tr h="370840">
                 <a:tc>
@@ -6027,6 +6067,11 @@
                   </a:txBody>
                   <a:tcPr/>
                 </a:tc>
+                <a:extLst>
+                  <a:ext uri="{0D108BD9-81ED-4DB2-BD59-A6C34878D82A}">
+                    <a16:rowId xmlns:a16="http://schemas.microsoft.com/office/drawing/2014/main" val="10002"/>
+                  </a:ext>
+                </a:extLst>
               </a:tr>
             </a:tbl>
           </a:graphicData>
@@ -6035,7 +6080,7 @@
     </p:spTree>
     <p:extLst>
       <p:ext uri="{BB962C8B-B14F-4D97-AF65-F5344CB8AC3E}">
-        <p14:creationId xmlns:p14="http://schemas.microsoft.com/office/powerpoint/2010/main" xmlns="" val="3321684248"/>
+        <p14:creationId xmlns:p14="http://schemas.microsoft.com/office/powerpoint/2010/main" val="3321684248"/>
       </p:ext>
     </p:extLst>
   </p:cSld>
@@ -6179,7 +6224,7 @@
     </p:spTree>
     <p:extLst>
       <p:ext uri="{BB962C8B-B14F-4D97-AF65-F5344CB8AC3E}">
-        <p14:creationId xmlns:p14="http://schemas.microsoft.com/office/powerpoint/2010/main" xmlns="" val="3991637210"/>
+        <p14:creationId xmlns:p14="http://schemas.microsoft.com/office/powerpoint/2010/main" val="3991637210"/>
       </p:ext>
     </p:extLst>
   </p:cSld>
@@ -6275,31 +6320,22 @@
           <a:p>
             <a:r>
               <a:rPr lang="en-US" altLang="zh-TW" dirty="0" smtClean="0"/>
-              <a:t>Followed by the final output of the </a:t>
-            </a:r>
-            <a:r>
-              <a:rPr lang="en-US" altLang="zh-TW" dirty="0" err="1" smtClean="0"/>
-              <a:t>mashup</a:t>
-            </a:r>
-            <a:r>
-              <a:rPr lang="en-US" altLang="zh-TW" dirty="0" smtClean="0"/>
-              <a:t> service covering open data sets from fire fighting stations, police stations, firing events, and criminal statistics all in </a:t>
-            </a:r>
-            <a:r>
-              <a:rPr lang="en-US" altLang="zh-TW" dirty="0" err="1" smtClean="0"/>
-              <a:t>mashup</a:t>
-            </a:r>
-            <a:r>
-              <a:rPr lang="en-US" altLang="zh-TW" dirty="0" smtClean="0"/>
-              <a:t> style. </a:t>
-            </a:r>
+              <a:t>Followed by the final output of the mashup service covering open data sets from fire fighting stations, police stations, firing events, and criminal statistics all in mashup style. </a:t>
+            </a:r>
+            <a:endParaRPr lang="en-US" altLang="zh-TW" dirty="0" smtClean="0"/>
+          </a:p>
+          <a:p>
+            <a:pPr marL="0" indent="0">
+              <a:buNone/>
+            </a:pPr>
+            <a:endParaRPr lang="en-US" altLang="zh-TW" dirty="0" smtClean="0"/>
           </a:p>
         </p:txBody>
       </p:sp>
     </p:spTree>
     <p:extLst>
       <p:ext uri="{BB962C8B-B14F-4D97-AF65-F5344CB8AC3E}">
-        <p14:creationId xmlns:p14="http://schemas.microsoft.com/office/powerpoint/2010/main" xmlns="" val="3529778856"/>
+        <p14:creationId xmlns:p14="http://schemas.microsoft.com/office/powerpoint/2010/main" val="3529778856"/>
       </p:ext>
     </p:extLst>
   </p:cSld>
@@ -6350,6 +6386,90 @@
           <a:p>
             <a:r>
               <a:rPr lang="en-US" altLang="zh-TW" dirty="0" smtClean="0"/>
+              <a:t>International Open Data Fusion</a:t>
+            </a:r>
+            <a:endParaRPr lang="zh-TW" altLang="en-US" dirty="0"/>
+          </a:p>
+        </p:txBody>
+      </p:sp>
+      <p:sp>
+        <p:nvSpPr>
+          <p:cNvPr id="3" name="內容版面配置區 2"/>
+          <p:cNvSpPr>
+            <a:spLocks noGrp="1"/>
+          </p:cNvSpPr>
+          <p:nvPr>
+            <p:ph idx="1"/>
+          </p:nvPr>
+        </p:nvSpPr>
+        <p:spPr/>
+        <p:txBody>
+          <a:bodyPr/>
+          <a:lstStyle/>
+          <a:p>
+            <a:r>
+              <a:rPr lang="en-US" altLang="zh-TW" dirty="0" smtClean="0"/>
+              <a:t>We added </a:t>
+            </a:r>
+            <a:r>
+              <a:rPr lang="en-US" altLang="zh-TW" smtClean="0"/>
+              <a:t>the Japanese earthquake </a:t>
+            </a:r>
+            <a:r>
+              <a:rPr lang="en-US" altLang="zh-TW" dirty="0" smtClean="0"/>
+              <a:t>open data covering locations and depth and strength all in mashup style.  </a:t>
+            </a:r>
+            <a:endParaRPr lang="zh-TW" altLang="en-US" dirty="0"/>
+          </a:p>
+        </p:txBody>
+      </p:sp>
+    </p:spTree>
+    <p:extLst>
+      <p:ext uri="{BB962C8B-B14F-4D97-AF65-F5344CB8AC3E}">
+        <p14:creationId xmlns:p14="http://schemas.microsoft.com/office/powerpoint/2010/main" val="930104773"/>
+      </p:ext>
+    </p:extLst>
+  </p:cSld>
+  <p:clrMapOvr>
+    <a:masterClrMapping/>
+  </p:clrMapOvr>
+</p:sld>
+</file>
+
+<file path=ppt/slides/slide5.xml><?xml version="1.0" encoding="utf-8"?>
+<p:sld xmlns:a="http://schemas.openxmlformats.org/drawingml/2006/main" xmlns:r="http://schemas.openxmlformats.org/officeDocument/2006/relationships" xmlns:p="http://schemas.openxmlformats.org/presentationml/2006/main">
+  <p:cSld>
+    <p:spTree>
+      <p:nvGrpSpPr>
+        <p:cNvPr id="1" name=""/>
+        <p:cNvGrpSpPr/>
+        <p:nvPr/>
+      </p:nvGrpSpPr>
+      <p:grpSpPr>
+        <a:xfrm>
+          <a:off x="0" y="0"/>
+          <a:ext cx="0" cy="0"/>
+          <a:chOff x="0" y="0"/>
+          <a:chExt cx="0" cy="0"/>
+        </a:xfrm>
+      </p:grpSpPr>
+      <p:sp>
+        <p:nvSpPr>
+          <p:cNvPr id="2" name="標題 1"/>
+          <p:cNvSpPr>
+            <a:spLocks noGrp="1"/>
+          </p:cNvSpPr>
+          <p:nvPr>
+            <p:ph type="title"/>
+          </p:nvPr>
+        </p:nvSpPr>
+        <p:spPr/>
+        <p:txBody>
+          <a:bodyPr/>
+          <a:lstStyle/>
+          <a:p>
+            <a:r>
+              <a:rPr lang="en-US" altLang="zh-TW" dirty="0" smtClean="0"/>
               <a:t>Data </a:t>
             </a:r>
             <a:r>
@@ -6409,27 +6529,7 @@
           <a:p>
             <a:r>
               <a:rPr lang="en-US" altLang="zh-TW" dirty="0" smtClean="0"/>
-              <a:t>Automatic Java </a:t>
-            </a:r>
-            <a:r>
-              <a:rPr lang="en-US" altLang="zh-TW" dirty="0" smtClean="0"/>
-              <a:t>script </a:t>
-            </a:r>
-            <a:r>
-              <a:rPr lang="en-US" altLang="zh-TW" dirty="0" smtClean="0"/>
-              <a:t>generation utilizing Papyrus </a:t>
-            </a:r>
-            <a:r>
-              <a:rPr lang="en-US" altLang="zh-TW" dirty="0" smtClean="0"/>
-              <a:t>framework containing </a:t>
-            </a:r>
-            <a:r>
-              <a:rPr lang="en-US" altLang="zh-TW" dirty="0" smtClean="0"/>
-              <a:t>fusion </a:t>
-            </a:r>
-            <a:r>
-              <a:rPr lang="en-US" altLang="zh-TW" dirty="0" smtClean="0"/>
-              <a:t>table </a:t>
+              <a:t>Automatic Java script generation utilizing Papyrus framework containing fusion table </a:t>
             </a:r>
             <a:r>
               <a:rPr lang="en-US" altLang="zh-TW" smtClean="0"/>
@@ -6439,7 +6539,6 @@
               <a:rPr lang="en-US" altLang="zh-TW" dirty="0" smtClean="0"/>
               <a:t>key</a:t>
             </a:r>
-            <a:endParaRPr lang="en-US" altLang="zh-TW" dirty="0" smtClean="0"/>
           </a:p>
           <a:p>
             <a:r>
@@ -6687,7 +6786,7 @@
   <a:extraClrSchemeLst/>
   <a:extLst>
     <a:ext uri="{05A4C25C-085E-4340-85A3-A5531E510DB2}">
-      <thm15:themeFamily xmlns:thm15="http://schemas.microsoft.com/office/thememl/2012/main" xmlns="" name="Organic" id="{28CDC826-8792-45C0-861B-85EB3ADEDA33}" vid="{E4E49EB0-FB00-41F5-9359-4843D783A23D}"/>
+      <thm15:themeFamily xmlns:thm15="http://schemas.microsoft.com/office/thememl/2012/main" name="Organic" id="{28CDC826-8792-45C0-861B-85EB3ADEDA33}" vid="{E4E49EB0-FB00-41F5-9359-4843D783A23D}"/>
     </a:ext>
   </a:extLst>
 </a:theme>
